--- a/Slides - Stanford/Lecture 12 - Android Sensors.pptx
+++ b/Slides - Stanford/Lecture 12 - Android Sensors.pptx
@@ -113,6 +113,11 @@
       </a:defRPr>
     </a:lvl9pPr>
   </p:defaultTextStyle>
+  <p:extLst>
+    <p:ext uri="{EFAFB233-063F-42B5-8137-9DF3F51BA10A}">
+      <p15:sldGuideLst xmlns:p15="http://schemas.microsoft.com/office/powerpoint/2012/main"/>
+    </p:ext>
+  </p:extLst>
 </p:presentation>
 </file>
 
@@ -247,7 +252,7 @@
           <a:p>
             <a:fld id="{B5139E45-D944-433E-AA23-D7042FF18C34}" type="datetimeFigureOut">
               <a:rPr lang="en-US" smtClean="0"/>
-              <a:t>6/10/2022</a:t>
+              <a:t>12/12/2022</a:t>
             </a:fld>
             <a:endParaRPr lang="en-US"/>
           </a:p>
@@ -417,7 +422,7 @@
           <a:p>
             <a:fld id="{B5139E45-D944-433E-AA23-D7042FF18C34}" type="datetimeFigureOut">
               <a:rPr lang="en-US" smtClean="0"/>
-              <a:t>6/10/2022</a:t>
+              <a:t>12/12/2022</a:t>
             </a:fld>
             <a:endParaRPr lang="en-US"/>
           </a:p>
@@ -597,7 +602,7 @@
           <a:p>
             <a:fld id="{B5139E45-D944-433E-AA23-D7042FF18C34}" type="datetimeFigureOut">
               <a:rPr lang="en-US" smtClean="0"/>
-              <a:t>6/10/2022</a:t>
+              <a:t>12/12/2022</a:t>
             </a:fld>
             <a:endParaRPr lang="en-US"/>
           </a:p>
@@ -767,7 +772,7 @@
           <a:p>
             <a:fld id="{B5139E45-D944-433E-AA23-D7042FF18C34}" type="datetimeFigureOut">
               <a:rPr lang="en-US" smtClean="0"/>
-              <a:t>6/10/2022</a:t>
+              <a:t>12/12/2022</a:t>
             </a:fld>
             <a:endParaRPr lang="en-US"/>
           </a:p>
@@ -1013,7 +1018,7 @@
           <a:p>
             <a:fld id="{B5139E45-D944-433E-AA23-D7042FF18C34}" type="datetimeFigureOut">
               <a:rPr lang="en-US" smtClean="0"/>
-              <a:t>6/10/2022</a:t>
+              <a:t>12/12/2022</a:t>
             </a:fld>
             <a:endParaRPr lang="en-US"/>
           </a:p>
@@ -1245,7 +1250,7 @@
           <a:p>
             <a:fld id="{B5139E45-D944-433E-AA23-D7042FF18C34}" type="datetimeFigureOut">
               <a:rPr lang="en-US" smtClean="0"/>
-              <a:t>6/10/2022</a:t>
+              <a:t>12/12/2022</a:t>
             </a:fld>
             <a:endParaRPr lang="en-US"/>
           </a:p>
@@ -1612,7 +1617,7 @@
           <a:p>
             <a:fld id="{B5139E45-D944-433E-AA23-D7042FF18C34}" type="datetimeFigureOut">
               <a:rPr lang="en-US" smtClean="0"/>
-              <a:t>6/10/2022</a:t>
+              <a:t>12/12/2022</a:t>
             </a:fld>
             <a:endParaRPr lang="en-US"/>
           </a:p>
@@ -1730,7 +1735,7 @@
           <a:p>
             <a:fld id="{B5139E45-D944-433E-AA23-D7042FF18C34}" type="datetimeFigureOut">
               <a:rPr lang="en-US" smtClean="0"/>
-              <a:t>6/10/2022</a:t>
+              <a:t>12/12/2022</a:t>
             </a:fld>
             <a:endParaRPr lang="en-US"/>
           </a:p>
@@ -1825,7 +1830,7 @@
           <a:p>
             <a:fld id="{B5139E45-D944-433E-AA23-D7042FF18C34}" type="datetimeFigureOut">
               <a:rPr lang="en-US" smtClean="0"/>
-              <a:t>6/10/2022</a:t>
+              <a:t>12/12/2022</a:t>
             </a:fld>
             <a:endParaRPr lang="en-US"/>
           </a:p>
@@ -2102,7 +2107,7 @@
           <a:p>
             <a:fld id="{B5139E45-D944-433E-AA23-D7042FF18C34}" type="datetimeFigureOut">
               <a:rPr lang="en-US" smtClean="0"/>
-              <a:t>6/10/2022</a:t>
+              <a:t>12/12/2022</a:t>
             </a:fld>
             <a:endParaRPr lang="en-US"/>
           </a:p>
@@ -2355,7 +2360,7 @@
           <a:p>
             <a:fld id="{B5139E45-D944-433E-AA23-D7042FF18C34}" type="datetimeFigureOut">
               <a:rPr lang="en-US" smtClean="0"/>
-              <a:t>6/10/2022</a:t>
+              <a:t>12/12/2022</a:t>
             </a:fld>
             <a:endParaRPr lang="en-US"/>
           </a:p>
@@ -2568,7 +2573,7 @@
           <a:p>
             <a:fld id="{B5139E45-D944-433E-AA23-D7042FF18C34}" type="datetimeFigureOut">
               <a:rPr lang="en-US" smtClean="0"/>
-              <a:t>6/10/2022</a:t>
+              <a:t>12/12/2022</a:t>
             </a:fld>
             <a:endParaRPr lang="en-US"/>
           </a:p>
@@ -3033,6 +3038,13 @@
   <p:clrMapOvr>
     <a:masterClrMapping/>
   </p:clrMapOvr>
+  <p:timing>
+    <p:tnLst>
+      <p:par>
+        <p:cTn id="1" dur="indefinite" restart="never" nodeType="tmRoot"/>
+      </p:par>
+    </p:tnLst>
+  </p:timing>
 </p:sld>
 </file>
 
@@ -3351,6 +3363,13 @@
   <p:clrMapOvr>
     <a:masterClrMapping/>
   </p:clrMapOvr>
+  <p:timing>
+    <p:tnLst>
+      <p:par>
+        <p:cTn id="1" dur="indefinite" restart="never" nodeType="tmRoot"/>
+      </p:par>
+    </p:tnLst>
+  </p:timing>
 </p:sld>
 </file>
 
@@ -3471,6 +3490,13 @@
   <p:clrMapOvr>
     <a:masterClrMapping/>
   </p:clrMapOvr>
+  <p:timing>
+    <p:tnLst>
+      <p:par>
+        <p:cTn id="1" dur="indefinite" restart="never" nodeType="tmRoot"/>
+      </p:par>
+    </p:tnLst>
+  </p:timing>
 </p:sld>
 </file>
 
@@ -3600,6 +3626,13 @@
   <p:clrMapOvr>
     <a:masterClrMapping/>
   </p:clrMapOvr>
+  <p:timing>
+    <p:tnLst>
+      <p:par>
+        <p:cTn id="1" dur="indefinite" restart="never" nodeType="tmRoot"/>
+      </p:par>
+    </p:tnLst>
+  </p:timing>
 </p:sld>
 </file>
 
@@ -3684,6 +3717,13 @@
   <p:clrMapOvr>
     <a:masterClrMapping/>
   </p:clrMapOvr>
+  <p:timing>
+    <p:tnLst>
+      <p:par>
+        <p:cTn id="1" dur="indefinite" restart="never" nodeType="tmRoot"/>
+      </p:par>
+    </p:tnLst>
+  </p:timing>
 </p:sld>
 </file>
 
@@ -3759,8 +3799,8 @@
           <a:p>
             <a:pPr lvl="0"/>
             <a:r>
-              <a:rPr lang="en-US" b="1" dirty="0" err="1" smtClean="0"/>
-              <a:t>Sesnor</a:t>
+              <a:rPr lang="en-US" b="1" smtClean="0"/>
+              <a:t>Sensor</a:t>
             </a:r>
             <a:r>
               <a:rPr lang="en-US" dirty="0" smtClean="0"/>
@@ -3819,6 +3859,13 @@
   <p:clrMapOvr>
     <a:masterClrMapping/>
   </p:clrMapOvr>
+  <p:timing>
+    <p:tnLst>
+      <p:par>
+        <p:cTn id="1" dur="indefinite" restart="never" nodeType="tmRoot"/>
+      </p:par>
+    </p:tnLst>
+  </p:timing>
 </p:sld>
 </file>
 
